--- a/aifin/2021/slides/Xiu_Asset_Pricing_ML.pptx
+++ b/aifin/2021/slides/Xiu_Asset_Pricing_ML.pptx
@@ -109,6 +109,11 @@
       </a:defRPr>
     </a:lvl9pPr>
   </p:defaultTextStyle>
+  <p:extLst>
+    <p:ext uri="{EFAFB233-063F-42B5-8137-9DF3F51BA10A}">
+      <p15:sldGuideLst xmlns:p15="http://schemas.microsoft.com/office/powerpoint/2012/main"/>
+    </p:ext>
+  </p:extLst>
 </p:presentation>
 </file>
 
@@ -134,7 +139,7 @@
           <p:cNvPr id="2" name="标题 1">
             <a:extLst>
               <a:ext uri="{FF2B5EF4-FFF2-40B4-BE49-F238E27FC236}">
-                <a16:creationId xmlns:a16="http://schemas.microsoft.com/office/drawing/2014/main" id="{4C4A4EB3-0351-D14F-91F5-A30B766C0F64}"/>
+                <a16:creationId xmlns:a16="http://schemas.microsoft.com/office/drawing/2014/main" xmlns="" id="{4C4A4EB3-0351-D14F-91F5-A30B766C0F64}"/>
               </a:ext>
             </a:extLst>
           </p:cNvPr>
@@ -171,7 +176,7 @@
           <p:cNvPr id="3" name="副标题 2">
             <a:extLst>
               <a:ext uri="{FF2B5EF4-FFF2-40B4-BE49-F238E27FC236}">
-                <a16:creationId xmlns:a16="http://schemas.microsoft.com/office/drawing/2014/main" id="{40E3FA91-3B02-F544-B10D-7FF191AD5752}"/>
+                <a16:creationId xmlns:a16="http://schemas.microsoft.com/office/drawing/2014/main" xmlns="" id="{40E3FA91-3B02-F544-B10D-7FF191AD5752}"/>
               </a:ext>
             </a:extLst>
           </p:cNvPr>
@@ -241,7 +246,7 @@
           <p:cNvPr id="4" name="日期占位符 3">
             <a:extLst>
               <a:ext uri="{FF2B5EF4-FFF2-40B4-BE49-F238E27FC236}">
-                <a16:creationId xmlns:a16="http://schemas.microsoft.com/office/drawing/2014/main" id="{DEE0965A-B5D3-624A-9F22-B1D2452195A4}"/>
+                <a16:creationId xmlns:a16="http://schemas.microsoft.com/office/drawing/2014/main" xmlns="" id="{DEE0965A-B5D3-624A-9F22-B1D2452195A4}"/>
               </a:ext>
             </a:extLst>
           </p:cNvPr>
@@ -259,7 +264,7 @@
           <a:p>
             <a:fld id="{19592C33-A7A7-224F-8CC3-E972E1E3BCCC}" type="datetimeFigureOut">
               <a:rPr kumimoji="1" lang="zh-CN" altLang="en-US" smtClean="0"/>
-              <a:t>2021/10/20</a:t>
+              <a:t>2021/10/21</a:t>
             </a:fld>
             <a:endParaRPr kumimoji="1" lang="zh-CN" altLang="en-US"/>
           </a:p>
@@ -270,7 +275,7 @@
           <p:cNvPr id="5" name="页脚占位符 4">
             <a:extLst>
               <a:ext uri="{FF2B5EF4-FFF2-40B4-BE49-F238E27FC236}">
-                <a16:creationId xmlns:a16="http://schemas.microsoft.com/office/drawing/2014/main" id="{D61E3B39-7C02-F040-8CBC-38DD05CFE320}"/>
+                <a16:creationId xmlns:a16="http://schemas.microsoft.com/office/drawing/2014/main" xmlns="" id="{D61E3B39-7C02-F040-8CBC-38DD05CFE320}"/>
               </a:ext>
             </a:extLst>
           </p:cNvPr>
@@ -295,7 +300,7 @@
           <p:cNvPr id="6" name="灯片编号占位符 5">
             <a:extLst>
               <a:ext uri="{FF2B5EF4-FFF2-40B4-BE49-F238E27FC236}">
-                <a16:creationId xmlns:a16="http://schemas.microsoft.com/office/drawing/2014/main" id="{C396CB2A-51ED-AD4C-8EEE-7E69378E3F1A}"/>
+                <a16:creationId xmlns:a16="http://schemas.microsoft.com/office/drawing/2014/main" xmlns="" id="{C396CB2A-51ED-AD4C-8EEE-7E69378E3F1A}"/>
               </a:ext>
             </a:extLst>
           </p:cNvPr>
@@ -354,7 +359,7 @@
           <p:cNvPr id="2" name="标题 1">
             <a:extLst>
               <a:ext uri="{FF2B5EF4-FFF2-40B4-BE49-F238E27FC236}">
-                <a16:creationId xmlns:a16="http://schemas.microsoft.com/office/drawing/2014/main" id="{D85AFE87-EA09-DC46-8BB9-C6FF76982C53}"/>
+                <a16:creationId xmlns:a16="http://schemas.microsoft.com/office/drawing/2014/main" xmlns="" id="{D85AFE87-EA09-DC46-8BB9-C6FF76982C53}"/>
               </a:ext>
             </a:extLst>
           </p:cNvPr>
@@ -382,7 +387,7 @@
           <p:cNvPr id="3" name="竖排文字占位符 2">
             <a:extLst>
               <a:ext uri="{FF2B5EF4-FFF2-40B4-BE49-F238E27FC236}">
-                <a16:creationId xmlns:a16="http://schemas.microsoft.com/office/drawing/2014/main" id="{FB66AA1F-3E8E-D14F-8F18-101392644F79}"/>
+                <a16:creationId xmlns:a16="http://schemas.microsoft.com/office/drawing/2014/main" xmlns="" id="{FB66AA1F-3E8E-D14F-8F18-101392644F79}"/>
               </a:ext>
             </a:extLst>
           </p:cNvPr>
@@ -439,7 +444,7 @@
           <p:cNvPr id="4" name="日期占位符 3">
             <a:extLst>
               <a:ext uri="{FF2B5EF4-FFF2-40B4-BE49-F238E27FC236}">
-                <a16:creationId xmlns:a16="http://schemas.microsoft.com/office/drawing/2014/main" id="{D9391291-A893-404A-AB2F-73453BFFD32F}"/>
+                <a16:creationId xmlns:a16="http://schemas.microsoft.com/office/drawing/2014/main" xmlns="" id="{D9391291-A893-404A-AB2F-73453BFFD32F}"/>
               </a:ext>
             </a:extLst>
           </p:cNvPr>
@@ -457,7 +462,7 @@
           <a:p>
             <a:fld id="{19592C33-A7A7-224F-8CC3-E972E1E3BCCC}" type="datetimeFigureOut">
               <a:rPr kumimoji="1" lang="zh-CN" altLang="en-US" smtClean="0"/>
-              <a:t>2021/10/20</a:t>
+              <a:t>2021/10/21</a:t>
             </a:fld>
             <a:endParaRPr kumimoji="1" lang="zh-CN" altLang="en-US"/>
           </a:p>
@@ -468,7 +473,7 @@
           <p:cNvPr id="5" name="页脚占位符 4">
             <a:extLst>
               <a:ext uri="{FF2B5EF4-FFF2-40B4-BE49-F238E27FC236}">
-                <a16:creationId xmlns:a16="http://schemas.microsoft.com/office/drawing/2014/main" id="{5DDFDEB9-E0DB-C74C-861D-4057187B078F}"/>
+                <a16:creationId xmlns:a16="http://schemas.microsoft.com/office/drawing/2014/main" xmlns="" id="{5DDFDEB9-E0DB-C74C-861D-4057187B078F}"/>
               </a:ext>
             </a:extLst>
           </p:cNvPr>
@@ -493,7 +498,7 @@
           <p:cNvPr id="6" name="灯片编号占位符 5">
             <a:extLst>
               <a:ext uri="{FF2B5EF4-FFF2-40B4-BE49-F238E27FC236}">
-                <a16:creationId xmlns:a16="http://schemas.microsoft.com/office/drawing/2014/main" id="{32F777AB-0713-FA40-95C1-6A4245693616}"/>
+                <a16:creationId xmlns:a16="http://schemas.microsoft.com/office/drawing/2014/main" xmlns="" id="{32F777AB-0713-FA40-95C1-6A4245693616}"/>
               </a:ext>
             </a:extLst>
           </p:cNvPr>
@@ -552,7 +557,7 @@
           <p:cNvPr id="2" name="竖排标题 1">
             <a:extLst>
               <a:ext uri="{FF2B5EF4-FFF2-40B4-BE49-F238E27FC236}">
-                <a16:creationId xmlns:a16="http://schemas.microsoft.com/office/drawing/2014/main" id="{7EB780F6-4C53-7947-81F0-E7D22985DD0C}"/>
+                <a16:creationId xmlns:a16="http://schemas.microsoft.com/office/drawing/2014/main" xmlns="" id="{7EB780F6-4C53-7947-81F0-E7D22985DD0C}"/>
               </a:ext>
             </a:extLst>
           </p:cNvPr>
@@ -585,7 +590,7 @@
           <p:cNvPr id="3" name="竖排文字占位符 2">
             <a:extLst>
               <a:ext uri="{FF2B5EF4-FFF2-40B4-BE49-F238E27FC236}">
-                <a16:creationId xmlns:a16="http://schemas.microsoft.com/office/drawing/2014/main" id="{59ECE060-82DA-D347-952A-6AEF09A1B524}"/>
+                <a16:creationId xmlns:a16="http://schemas.microsoft.com/office/drawing/2014/main" xmlns="" id="{59ECE060-82DA-D347-952A-6AEF09A1B524}"/>
               </a:ext>
             </a:extLst>
           </p:cNvPr>
@@ -647,7 +652,7 @@
           <p:cNvPr id="4" name="日期占位符 3">
             <a:extLst>
               <a:ext uri="{FF2B5EF4-FFF2-40B4-BE49-F238E27FC236}">
-                <a16:creationId xmlns:a16="http://schemas.microsoft.com/office/drawing/2014/main" id="{2086AF90-8A71-E24C-A84D-839F4CFC7024}"/>
+                <a16:creationId xmlns:a16="http://schemas.microsoft.com/office/drawing/2014/main" xmlns="" id="{2086AF90-8A71-E24C-A84D-839F4CFC7024}"/>
               </a:ext>
             </a:extLst>
           </p:cNvPr>
@@ -665,7 +670,7 @@
           <a:p>
             <a:fld id="{19592C33-A7A7-224F-8CC3-E972E1E3BCCC}" type="datetimeFigureOut">
               <a:rPr kumimoji="1" lang="zh-CN" altLang="en-US" smtClean="0"/>
-              <a:t>2021/10/20</a:t>
+              <a:t>2021/10/21</a:t>
             </a:fld>
             <a:endParaRPr kumimoji="1" lang="zh-CN" altLang="en-US"/>
           </a:p>
@@ -676,7 +681,7 @@
           <p:cNvPr id="5" name="页脚占位符 4">
             <a:extLst>
               <a:ext uri="{FF2B5EF4-FFF2-40B4-BE49-F238E27FC236}">
-                <a16:creationId xmlns:a16="http://schemas.microsoft.com/office/drawing/2014/main" id="{96742A2F-3921-F349-A461-2C29D47C7C9D}"/>
+                <a16:creationId xmlns:a16="http://schemas.microsoft.com/office/drawing/2014/main" xmlns="" id="{96742A2F-3921-F349-A461-2C29D47C7C9D}"/>
               </a:ext>
             </a:extLst>
           </p:cNvPr>
@@ -701,7 +706,7 @@
           <p:cNvPr id="6" name="灯片编号占位符 5">
             <a:extLst>
               <a:ext uri="{FF2B5EF4-FFF2-40B4-BE49-F238E27FC236}">
-                <a16:creationId xmlns:a16="http://schemas.microsoft.com/office/drawing/2014/main" id="{71D94E0F-8BCF-8241-8483-C47CC42BC4E2}"/>
+                <a16:creationId xmlns:a16="http://schemas.microsoft.com/office/drawing/2014/main" xmlns="" id="{71D94E0F-8BCF-8241-8483-C47CC42BC4E2}"/>
               </a:ext>
             </a:extLst>
           </p:cNvPr>
@@ -760,7 +765,7 @@
           <p:cNvPr id="2" name="标题 1">
             <a:extLst>
               <a:ext uri="{FF2B5EF4-FFF2-40B4-BE49-F238E27FC236}">
-                <a16:creationId xmlns:a16="http://schemas.microsoft.com/office/drawing/2014/main" id="{088994A7-BD27-EA4B-9648-2667FE763CFF}"/>
+                <a16:creationId xmlns:a16="http://schemas.microsoft.com/office/drawing/2014/main" xmlns="" id="{088994A7-BD27-EA4B-9648-2667FE763CFF}"/>
               </a:ext>
             </a:extLst>
           </p:cNvPr>
@@ -788,7 +793,7 @@
           <p:cNvPr id="3" name="内容占位符 2">
             <a:extLst>
               <a:ext uri="{FF2B5EF4-FFF2-40B4-BE49-F238E27FC236}">
-                <a16:creationId xmlns:a16="http://schemas.microsoft.com/office/drawing/2014/main" id="{4EBA8EA0-DF7F-C147-84B6-5F083F7FC0E6}"/>
+                <a16:creationId xmlns:a16="http://schemas.microsoft.com/office/drawing/2014/main" xmlns="" id="{4EBA8EA0-DF7F-C147-84B6-5F083F7FC0E6}"/>
               </a:ext>
             </a:extLst>
           </p:cNvPr>
@@ -845,7 +850,7 @@
           <p:cNvPr id="4" name="日期占位符 3">
             <a:extLst>
               <a:ext uri="{FF2B5EF4-FFF2-40B4-BE49-F238E27FC236}">
-                <a16:creationId xmlns:a16="http://schemas.microsoft.com/office/drawing/2014/main" id="{D5B7D007-6E6F-3448-8C81-FC27EBA26EAA}"/>
+                <a16:creationId xmlns:a16="http://schemas.microsoft.com/office/drawing/2014/main" xmlns="" id="{D5B7D007-6E6F-3448-8C81-FC27EBA26EAA}"/>
               </a:ext>
             </a:extLst>
           </p:cNvPr>
@@ -863,7 +868,7 @@
           <a:p>
             <a:fld id="{19592C33-A7A7-224F-8CC3-E972E1E3BCCC}" type="datetimeFigureOut">
               <a:rPr kumimoji="1" lang="zh-CN" altLang="en-US" smtClean="0"/>
-              <a:t>2021/10/20</a:t>
+              <a:t>2021/10/21</a:t>
             </a:fld>
             <a:endParaRPr kumimoji="1" lang="zh-CN" altLang="en-US"/>
           </a:p>
@@ -874,7 +879,7 @@
           <p:cNvPr id="5" name="页脚占位符 4">
             <a:extLst>
               <a:ext uri="{FF2B5EF4-FFF2-40B4-BE49-F238E27FC236}">
-                <a16:creationId xmlns:a16="http://schemas.microsoft.com/office/drawing/2014/main" id="{CDB96291-2D90-C546-A836-C76288829E78}"/>
+                <a16:creationId xmlns:a16="http://schemas.microsoft.com/office/drawing/2014/main" xmlns="" id="{CDB96291-2D90-C546-A836-C76288829E78}"/>
               </a:ext>
             </a:extLst>
           </p:cNvPr>
@@ -899,7 +904,7 @@
           <p:cNvPr id="6" name="灯片编号占位符 5">
             <a:extLst>
               <a:ext uri="{FF2B5EF4-FFF2-40B4-BE49-F238E27FC236}">
-                <a16:creationId xmlns:a16="http://schemas.microsoft.com/office/drawing/2014/main" id="{EF67026D-0B9F-E54A-AB62-00D62A2BFAA7}"/>
+                <a16:creationId xmlns:a16="http://schemas.microsoft.com/office/drawing/2014/main" xmlns="" id="{EF67026D-0B9F-E54A-AB62-00D62A2BFAA7}"/>
               </a:ext>
             </a:extLst>
           </p:cNvPr>
@@ -958,7 +963,7 @@
           <p:cNvPr id="2" name="标题 1">
             <a:extLst>
               <a:ext uri="{FF2B5EF4-FFF2-40B4-BE49-F238E27FC236}">
-                <a16:creationId xmlns:a16="http://schemas.microsoft.com/office/drawing/2014/main" id="{CC1722EE-F660-6645-917B-2066AF985440}"/>
+                <a16:creationId xmlns:a16="http://schemas.microsoft.com/office/drawing/2014/main" xmlns="" id="{CC1722EE-F660-6645-917B-2066AF985440}"/>
               </a:ext>
             </a:extLst>
           </p:cNvPr>
@@ -995,7 +1000,7 @@
           <p:cNvPr id="3" name="文本占位符 2">
             <a:extLst>
               <a:ext uri="{FF2B5EF4-FFF2-40B4-BE49-F238E27FC236}">
-                <a16:creationId xmlns:a16="http://schemas.microsoft.com/office/drawing/2014/main" id="{B76DF696-3AA1-9044-BF3F-CCF73420F4BE}"/>
+                <a16:creationId xmlns:a16="http://schemas.microsoft.com/office/drawing/2014/main" xmlns="" id="{B76DF696-3AA1-9044-BF3F-CCF73420F4BE}"/>
               </a:ext>
             </a:extLst>
           </p:cNvPr>
@@ -1120,7 +1125,7 @@
           <p:cNvPr id="4" name="日期占位符 3">
             <a:extLst>
               <a:ext uri="{FF2B5EF4-FFF2-40B4-BE49-F238E27FC236}">
-                <a16:creationId xmlns:a16="http://schemas.microsoft.com/office/drawing/2014/main" id="{FE390E37-6815-BF4D-9698-B9435188D48C}"/>
+                <a16:creationId xmlns:a16="http://schemas.microsoft.com/office/drawing/2014/main" xmlns="" id="{FE390E37-6815-BF4D-9698-B9435188D48C}"/>
               </a:ext>
             </a:extLst>
           </p:cNvPr>
@@ -1138,7 +1143,7 @@
           <a:p>
             <a:fld id="{19592C33-A7A7-224F-8CC3-E972E1E3BCCC}" type="datetimeFigureOut">
               <a:rPr kumimoji="1" lang="zh-CN" altLang="en-US" smtClean="0"/>
-              <a:t>2021/10/20</a:t>
+              <a:t>2021/10/21</a:t>
             </a:fld>
             <a:endParaRPr kumimoji="1" lang="zh-CN" altLang="en-US"/>
           </a:p>
@@ -1149,7 +1154,7 @@
           <p:cNvPr id="5" name="页脚占位符 4">
             <a:extLst>
               <a:ext uri="{FF2B5EF4-FFF2-40B4-BE49-F238E27FC236}">
-                <a16:creationId xmlns:a16="http://schemas.microsoft.com/office/drawing/2014/main" id="{8F33E9F8-33CB-A64F-B88F-332EA502D134}"/>
+                <a16:creationId xmlns:a16="http://schemas.microsoft.com/office/drawing/2014/main" xmlns="" id="{8F33E9F8-33CB-A64F-B88F-332EA502D134}"/>
               </a:ext>
             </a:extLst>
           </p:cNvPr>
@@ -1174,7 +1179,7 @@
           <p:cNvPr id="6" name="灯片编号占位符 5">
             <a:extLst>
               <a:ext uri="{FF2B5EF4-FFF2-40B4-BE49-F238E27FC236}">
-                <a16:creationId xmlns:a16="http://schemas.microsoft.com/office/drawing/2014/main" id="{ED20E57D-8545-3945-A58C-9EA992416F3E}"/>
+                <a16:creationId xmlns:a16="http://schemas.microsoft.com/office/drawing/2014/main" xmlns="" id="{ED20E57D-8545-3945-A58C-9EA992416F3E}"/>
               </a:ext>
             </a:extLst>
           </p:cNvPr>
@@ -1233,7 +1238,7 @@
           <p:cNvPr id="2" name="标题 1">
             <a:extLst>
               <a:ext uri="{FF2B5EF4-FFF2-40B4-BE49-F238E27FC236}">
-                <a16:creationId xmlns:a16="http://schemas.microsoft.com/office/drawing/2014/main" id="{29B5664F-60F1-BC43-A534-5844465D7DB3}"/>
+                <a16:creationId xmlns:a16="http://schemas.microsoft.com/office/drawing/2014/main" xmlns="" id="{29B5664F-60F1-BC43-A534-5844465D7DB3}"/>
               </a:ext>
             </a:extLst>
           </p:cNvPr>
@@ -1261,7 +1266,7 @@
           <p:cNvPr id="3" name="内容占位符 2">
             <a:extLst>
               <a:ext uri="{FF2B5EF4-FFF2-40B4-BE49-F238E27FC236}">
-                <a16:creationId xmlns:a16="http://schemas.microsoft.com/office/drawing/2014/main" id="{2EC5B81D-3571-E148-9BF8-0648694FB592}"/>
+                <a16:creationId xmlns:a16="http://schemas.microsoft.com/office/drawing/2014/main" xmlns="" id="{2EC5B81D-3571-E148-9BF8-0648694FB592}"/>
               </a:ext>
             </a:extLst>
           </p:cNvPr>
@@ -1323,7 +1328,7 @@
           <p:cNvPr id="4" name="内容占位符 3">
             <a:extLst>
               <a:ext uri="{FF2B5EF4-FFF2-40B4-BE49-F238E27FC236}">
-                <a16:creationId xmlns:a16="http://schemas.microsoft.com/office/drawing/2014/main" id="{4212B6FA-DF24-C745-986C-625D04A69CF3}"/>
+                <a16:creationId xmlns:a16="http://schemas.microsoft.com/office/drawing/2014/main" xmlns="" id="{4212B6FA-DF24-C745-986C-625D04A69CF3}"/>
               </a:ext>
             </a:extLst>
           </p:cNvPr>
@@ -1385,7 +1390,7 @@
           <p:cNvPr id="5" name="日期占位符 4">
             <a:extLst>
               <a:ext uri="{FF2B5EF4-FFF2-40B4-BE49-F238E27FC236}">
-                <a16:creationId xmlns:a16="http://schemas.microsoft.com/office/drawing/2014/main" id="{8033A5B1-2AAB-1047-8AB4-666F63D55AC6}"/>
+                <a16:creationId xmlns:a16="http://schemas.microsoft.com/office/drawing/2014/main" xmlns="" id="{8033A5B1-2AAB-1047-8AB4-666F63D55AC6}"/>
               </a:ext>
             </a:extLst>
           </p:cNvPr>
@@ -1403,7 +1408,7 @@
           <a:p>
             <a:fld id="{19592C33-A7A7-224F-8CC3-E972E1E3BCCC}" type="datetimeFigureOut">
               <a:rPr kumimoji="1" lang="zh-CN" altLang="en-US" smtClean="0"/>
-              <a:t>2021/10/20</a:t>
+              <a:t>2021/10/21</a:t>
             </a:fld>
             <a:endParaRPr kumimoji="1" lang="zh-CN" altLang="en-US"/>
           </a:p>
@@ -1414,7 +1419,7 @@
           <p:cNvPr id="6" name="页脚占位符 5">
             <a:extLst>
               <a:ext uri="{FF2B5EF4-FFF2-40B4-BE49-F238E27FC236}">
-                <a16:creationId xmlns:a16="http://schemas.microsoft.com/office/drawing/2014/main" id="{DC12AB67-270C-4647-B4B1-29C835AAFB1F}"/>
+                <a16:creationId xmlns:a16="http://schemas.microsoft.com/office/drawing/2014/main" xmlns="" id="{DC12AB67-270C-4647-B4B1-29C835AAFB1F}"/>
               </a:ext>
             </a:extLst>
           </p:cNvPr>
@@ -1439,7 +1444,7 @@
           <p:cNvPr id="7" name="灯片编号占位符 6">
             <a:extLst>
               <a:ext uri="{FF2B5EF4-FFF2-40B4-BE49-F238E27FC236}">
-                <a16:creationId xmlns:a16="http://schemas.microsoft.com/office/drawing/2014/main" id="{13639C99-6694-6C48-99CC-7DF5158F893D}"/>
+                <a16:creationId xmlns:a16="http://schemas.microsoft.com/office/drawing/2014/main" xmlns="" id="{13639C99-6694-6C48-99CC-7DF5158F893D}"/>
               </a:ext>
             </a:extLst>
           </p:cNvPr>
@@ -1498,7 +1503,7 @@
           <p:cNvPr id="2" name="标题 1">
             <a:extLst>
               <a:ext uri="{FF2B5EF4-FFF2-40B4-BE49-F238E27FC236}">
-                <a16:creationId xmlns:a16="http://schemas.microsoft.com/office/drawing/2014/main" id="{F83D5A77-4975-D143-8EC7-4B99DCB693F8}"/>
+                <a16:creationId xmlns:a16="http://schemas.microsoft.com/office/drawing/2014/main" xmlns="" id="{F83D5A77-4975-D143-8EC7-4B99DCB693F8}"/>
               </a:ext>
             </a:extLst>
           </p:cNvPr>
@@ -1531,7 +1536,7 @@
           <p:cNvPr id="3" name="文本占位符 2">
             <a:extLst>
               <a:ext uri="{FF2B5EF4-FFF2-40B4-BE49-F238E27FC236}">
-                <a16:creationId xmlns:a16="http://schemas.microsoft.com/office/drawing/2014/main" id="{237A3B67-BC79-F645-878A-DBF95449EF5A}"/>
+                <a16:creationId xmlns:a16="http://schemas.microsoft.com/office/drawing/2014/main" xmlns="" id="{237A3B67-BC79-F645-878A-DBF95449EF5A}"/>
               </a:ext>
             </a:extLst>
           </p:cNvPr>
@@ -1602,7 +1607,7 @@
           <p:cNvPr id="4" name="内容占位符 3">
             <a:extLst>
               <a:ext uri="{FF2B5EF4-FFF2-40B4-BE49-F238E27FC236}">
-                <a16:creationId xmlns:a16="http://schemas.microsoft.com/office/drawing/2014/main" id="{27C0E8F8-892F-C940-BD6E-9B071A6C8D7F}"/>
+                <a16:creationId xmlns:a16="http://schemas.microsoft.com/office/drawing/2014/main" xmlns="" id="{27C0E8F8-892F-C940-BD6E-9B071A6C8D7F}"/>
               </a:ext>
             </a:extLst>
           </p:cNvPr>
@@ -1664,7 +1669,7 @@
           <p:cNvPr id="5" name="文本占位符 4">
             <a:extLst>
               <a:ext uri="{FF2B5EF4-FFF2-40B4-BE49-F238E27FC236}">
-                <a16:creationId xmlns:a16="http://schemas.microsoft.com/office/drawing/2014/main" id="{75570194-EFF2-8042-937E-58FF655BAE22}"/>
+                <a16:creationId xmlns:a16="http://schemas.microsoft.com/office/drawing/2014/main" xmlns="" id="{75570194-EFF2-8042-937E-58FF655BAE22}"/>
               </a:ext>
             </a:extLst>
           </p:cNvPr>
@@ -1735,7 +1740,7 @@
           <p:cNvPr id="6" name="内容占位符 5">
             <a:extLst>
               <a:ext uri="{FF2B5EF4-FFF2-40B4-BE49-F238E27FC236}">
-                <a16:creationId xmlns:a16="http://schemas.microsoft.com/office/drawing/2014/main" id="{2727AB73-457C-5644-AF2B-D2B8960B02A5}"/>
+                <a16:creationId xmlns:a16="http://schemas.microsoft.com/office/drawing/2014/main" xmlns="" id="{2727AB73-457C-5644-AF2B-D2B8960B02A5}"/>
               </a:ext>
             </a:extLst>
           </p:cNvPr>
@@ -1797,7 +1802,7 @@
           <p:cNvPr id="7" name="日期占位符 6">
             <a:extLst>
               <a:ext uri="{FF2B5EF4-FFF2-40B4-BE49-F238E27FC236}">
-                <a16:creationId xmlns:a16="http://schemas.microsoft.com/office/drawing/2014/main" id="{7D301131-0309-A943-A5B7-07392A73F5D2}"/>
+                <a16:creationId xmlns:a16="http://schemas.microsoft.com/office/drawing/2014/main" xmlns="" id="{7D301131-0309-A943-A5B7-07392A73F5D2}"/>
               </a:ext>
             </a:extLst>
           </p:cNvPr>
@@ -1815,7 +1820,7 @@
           <a:p>
             <a:fld id="{19592C33-A7A7-224F-8CC3-E972E1E3BCCC}" type="datetimeFigureOut">
               <a:rPr kumimoji="1" lang="zh-CN" altLang="en-US" smtClean="0"/>
-              <a:t>2021/10/20</a:t>
+              <a:t>2021/10/21</a:t>
             </a:fld>
             <a:endParaRPr kumimoji="1" lang="zh-CN" altLang="en-US"/>
           </a:p>
@@ -1826,7 +1831,7 @@
           <p:cNvPr id="8" name="页脚占位符 7">
             <a:extLst>
               <a:ext uri="{FF2B5EF4-FFF2-40B4-BE49-F238E27FC236}">
-                <a16:creationId xmlns:a16="http://schemas.microsoft.com/office/drawing/2014/main" id="{A13E6E1B-D119-0C4D-BEAD-E7BA08EAFC5A}"/>
+                <a16:creationId xmlns:a16="http://schemas.microsoft.com/office/drawing/2014/main" xmlns="" id="{A13E6E1B-D119-0C4D-BEAD-E7BA08EAFC5A}"/>
               </a:ext>
             </a:extLst>
           </p:cNvPr>
@@ -1851,7 +1856,7 @@
           <p:cNvPr id="9" name="灯片编号占位符 8">
             <a:extLst>
               <a:ext uri="{FF2B5EF4-FFF2-40B4-BE49-F238E27FC236}">
-                <a16:creationId xmlns:a16="http://schemas.microsoft.com/office/drawing/2014/main" id="{62828F01-A9F5-B644-B098-058E70931487}"/>
+                <a16:creationId xmlns:a16="http://schemas.microsoft.com/office/drawing/2014/main" xmlns="" id="{62828F01-A9F5-B644-B098-058E70931487}"/>
               </a:ext>
             </a:extLst>
           </p:cNvPr>
@@ -1910,7 +1915,7 @@
           <p:cNvPr id="2" name="标题 1">
             <a:extLst>
               <a:ext uri="{FF2B5EF4-FFF2-40B4-BE49-F238E27FC236}">
-                <a16:creationId xmlns:a16="http://schemas.microsoft.com/office/drawing/2014/main" id="{2B2FB366-557F-BF4A-9F2D-A0AAB8B28AAB}"/>
+                <a16:creationId xmlns:a16="http://schemas.microsoft.com/office/drawing/2014/main" xmlns="" id="{2B2FB366-557F-BF4A-9F2D-A0AAB8B28AAB}"/>
               </a:ext>
             </a:extLst>
           </p:cNvPr>
@@ -1938,7 +1943,7 @@
           <p:cNvPr id="3" name="日期占位符 2">
             <a:extLst>
               <a:ext uri="{FF2B5EF4-FFF2-40B4-BE49-F238E27FC236}">
-                <a16:creationId xmlns:a16="http://schemas.microsoft.com/office/drawing/2014/main" id="{02EF7490-C877-A346-847B-367A6D07FB06}"/>
+                <a16:creationId xmlns:a16="http://schemas.microsoft.com/office/drawing/2014/main" xmlns="" id="{02EF7490-C877-A346-847B-367A6D07FB06}"/>
               </a:ext>
             </a:extLst>
           </p:cNvPr>
@@ -1956,7 +1961,7 @@
           <a:p>
             <a:fld id="{19592C33-A7A7-224F-8CC3-E972E1E3BCCC}" type="datetimeFigureOut">
               <a:rPr kumimoji="1" lang="zh-CN" altLang="en-US" smtClean="0"/>
-              <a:t>2021/10/20</a:t>
+              <a:t>2021/10/21</a:t>
             </a:fld>
             <a:endParaRPr kumimoji="1" lang="zh-CN" altLang="en-US"/>
           </a:p>
@@ -1967,7 +1972,7 @@
           <p:cNvPr id="4" name="页脚占位符 3">
             <a:extLst>
               <a:ext uri="{FF2B5EF4-FFF2-40B4-BE49-F238E27FC236}">
-                <a16:creationId xmlns:a16="http://schemas.microsoft.com/office/drawing/2014/main" id="{995F8DCB-BDB8-7F43-88F2-FBAC86B65933}"/>
+                <a16:creationId xmlns:a16="http://schemas.microsoft.com/office/drawing/2014/main" xmlns="" id="{995F8DCB-BDB8-7F43-88F2-FBAC86B65933}"/>
               </a:ext>
             </a:extLst>
           </p:cNvPr>
@@ -1992,7 +1997,7 @@
           <p:cNvPr id="5" name="灯片编号占位符 4">
             <a:extLst>
               <a:ext uri="{FF2B5EF4-FFF2-40B4-BE49-F238E27FC236}">
-                <a16:creationId xmlns:a16="http://schemas.microsoft.com/office/drawing/2014/main" id="{119D8E32-920E-5742-AD97-68977DF775BD}"/>
+                <a16:creationId xmlns:a16="http://schemas.microsoft.com/office/drawing/2014/main" xmlns="" id="{119D8E32-920E-5742-AD97-68977DF775BD}"/>
               </a:ext>
             </a:extLst>
           </p:cNvPr>
@@ -2051,7 +2056,7 @@
           <p:cNvPr id="2" name="日期占位符 1">
             <a:extLst>
               <a:ext uri="{FF2B5EF4-FFF2-40B4-BE49-F238E27FC236}">
-                <a16:creationId xmlns:a16="http://schemas.microsoft.com/office/drawing/2014/main" id="{ECD21F52-0D1F-7649-BDA3-A491D3298248}"/>
+                <a16:creationId xmlns:a16="http://schemas.microsoft.com/office/drawing/2014/main" xmlns="" id="{ECD21F52-0D1F-7649-BDA3-A491D3298248}"/>
               </a:ext>
             </a:extLst>
           </p:cNvPr>
@@ -2069,7 +2074,7 @@
           <a:p>
             <a:fld id="{19592C33-A7A7-224F-8CC3-E972E1E3BCCC}" type="datetimeFigureOut">
               <a:rPr kumimoji="1" lang="zh-CN" altLang="en-US" smtClean="0"/>
-              <a:t>2021/10/20</a:t>
+              <a:t>2021/10/21</a:t>
             </a:fld>
             <a:endParaRPr kumimoji="1" lang="zh-CN" altLang="en-US"/>
           </a:p>
@@ -2080,7 +2085,7 @@
           <p:cNvPr id="3" name="页脚占位符 2">
             <a:extLst>
               <a:ext uri="{FF2B5EF4-FFF2-40B4-BE49-F238E27FC236}">
-                <a16:creationId xmlns:a16="http://schemas.microsoft.com/office/drawing/2014/main" id="{F08B5D27-F3CF-5540-8D89-B8B05D7CCDB0}"/>
+                <a16:creationId xmlns:a16="http://schemas.microsoft.com/office/drawing/2014/main" xmlns="" id="{F08B5D27-F3CF-5540-8D89-B8B05D7CCDB0}"/>
               </a:ext>
             </a:extLst>
           </p:cNvPr>
@@ -2105,7 +2110,7 @@
           <p:cNvPr id="4" name="灯片编号占位符 3">
             <a:extLst>
               <a:ext uri="{FF2B5EF4-FFF2-40B4-BE49-F238E27FC236}">
-                <a16:creationId xmlns:a16="http://schemas.microsoft.com/office/drawing/2014/main" id="{1B824A50-5734-1445-99D4-B1679EEE2016}"/>
+                <a16:creationId xmlns:a16="http://schemas.microsoft.com/office/drawing/2014/main" xmlns="" id="{1B824A50-5734-1445-99D4-B1679EEE2016}"/>
               </a:ext>
             </a:extLst>
           </p:cNvPr>
@@ -2164,7 +2169,7 @@
           <p:cNvPr id="2" name="标题 1">
             <a:extLst>
               <a:ext uri="{FF2B5EF4-FFF2-40B4-BE49-F238E27FC236}">
-                <a16:creationId xmlns:a16="http://schemas.microsoft.com/office/drawing/2014/main" id="{E9D861B0-CE1B-6245-8E6C-893CC40BA448}"/>
+                <a16:creationId xmlns:a16="http://schemas.microsoft.com/office/drawing/2014/main" xmlns="" id="{E9D861B0-CE1B-6245-8E6C-893CC40BA448}"/>
               </a:ext>
             </a:extLst>
           </p:cNvPr>
@@ -2201,7 +2206,7 @@
           <p:cNvPr id="3" name="内容占位符 2">
             <a:extLst>
               <a:ext uri="{FF2B5EF4-FFF2-40B4-BE49-F238E27FC236}">
-                <a16:creationId xmlns:a16="http://schemas.microsoft.com/office/drawing/2014/main" id="{ECC126C7-CA0D-E748-952A-321E8E098727}"/>
+                <a16:creationId xmlns:a16="http://schemas.microsoft.com/office/drawing/2014/main" xmlns="" id="{ECC126C7-CA0D-E748-952A-321E8E098727}"/>
               </a:ext>
             </a:extLst>
           </p:cNvPr>
@@ -2291,7 +2296,7 @@
           <p:cNvPr id="4" name="文本占位符 3">
             <a:extLst>
               <a:ext uri="{FF2B5EF4-FFF2-40B4-BE49-F238E27FC236}">
-                <a16:creationId xmlns:a16="http://schemas.microsoft.com/office/drawing/2014/main" id="{D3AB497C-02CD-034E-BA76-CDD80AA8E761}"/>
+                <a16:creationId xmlns:a16="http://schemas.microsoft.com/office/drawing/2014/main" xmlns="" id="{D3AB497C-02CD-034E-BA76-CDD80AA8E761}"/>
               </a:ext>
             </a:extLst>
           </p:cNvPr>
@@ -2362,7 +2367,7 @@
           <p:cNvPr id="5" name="日期占位符 4">
             <a:extLst>
               <a:ext uri="{FF2B5EF4-FFF2-40B4-BE49-F238E27FC236}">
-                <a16:creationId xmlns:a16="http://schemas.microsoft.com/office/drawing/2014/main" id="{3A2695E8-0E7B-9946-985E-1698DD39BEEE}"/>
+                <a16:creationId xmlns:a16="http://schemas.microsoft.com/office/drawing/2014/main" xmlns="" id="{3A2695E8-0E7B-9946-985E-1698DD39BEEE}"/>
               </a:ext>
             </a:extLst>
           </p:cNvPr>
@@ -2380,7 +2385,7 @@
           <a:p>
             <a:fld id="{19592C33-A7A7-224F-8CC3-E972E1E3BCCC}" type="datetimeFigureOut">
               <a:rPr kumimoji="1" lang="zh-CN" altLang="en-US" smtClean="0"/>
-              <a:t>2021/10/20</a:t>
+              <a:t>2021/10/21</a:t>
             </a:fld>
             <a:endParaRPr kumimoji="1" lang="zh-CN" altLang="en-US"/>
           </a:p>
@@ -2391,7 +2396,7 @@
           <p:cNvPr id="6" name="页脚占位符 5">
             <a:extLst>
               <a:ext uri="{FF2B5EF4-FFF2-40B4-BE49-F238E27FC236}">
-                <a16:creationId xmlns:a16="http://schemas.microsoft.com/office/drawing/2014/main" id="{8D40EB52-456E-AC41-96AF-F24542CC9C13}"/>
+                <a16:creationId xmlns:a16="http://schemas.microsoft.com/office/drawing/2014/main" xmlns="" id="{8D40EB52-456E-AC41-96AF-F24542CC9C13}"/>
               </a:ext>
             </a:extLst>
           </p:cNvPr>
@@ -2416,7 +2421,7 @@
           <p:cNvPr id="7" name="灯片编号占位符 6">
             <a:extLst>
               <a:ext uri="{FF2B5EF4-FFF2-40B4-BE49-F238E27FC236}">
-                <a16:creationId xmlns:a16="http://schemas.microsoft.com/office/drawing/2014/main" id="{71C289DC-2F1D-844C-BB2A-C982EC951A2B}"/>
+                <a16:creationId xmlns:a16="http://schemas.microsoft.com/office/drawing/2014/main" xmlns="" id="{71C289DC-2F1D-844C-BB2A-C982EC951A2B}"/>
               </a:ext>
             </a:extLst>
           </p:cNvPr>
@@ -2475,7 +2480,7 @@
           <p:cNvPr id="2" name="标题 1">
             <a:extLst>
               <a:ext uri="{FF2B5EF4-FFF2-40B4-BE49-F238E27FC236}">
-                <a16:creationId xmlns:a16="http://schemas.microsoft.com/office/drawing/2014/main" id="{2AA8462B-4368-7C4A-A2A5-4E60350B05E4}"/>
+                <a16:creationId xmlns:a16="http://schemas.microsoft.com/office/drawing/2014/main" xmlns="" id="{2AA8462B-4368-7C4A-A2A5-4E60350B05E4}"/>
               </a:ext>
             </a:extLst>
           </p:cNvPr>
@@ -2512,7 +2517,7 @@
           <p:cNvPr id="3" name="图片占位符 2">
             <a:extLst>
               <a:ext uri="{FF2B5EF4-FFF2-40B4-BE49-F238E27FC236}">
-                <a16:creationId xmlns:a16="http://schemas.microsoft.com/office/drawing/2014/main" id="{BB0FEF49-AEC3-C443-819E-B82BEA155205}"/>
+                <a16:creationId xmlns:a16="http://schemas.microsoft.com/office/drawing/2014/main" xmlns="" id="{BB0FEF49-AEC3-C443-819E-B82BEA155205}"/>
               </a:ext>
             </a:extLst>
           </p:cNvPr>
@@ -2579,7 +2584,7 @@
           <p:cNvPr id="4" name="文本占位符 3">
             <a:extLst>
               <a:ext uri="{FF2B5EF4-FFF2-40B4-BE49-F238E27FC236}">
-                <a16:creationId xmlns:a16="http://schemas.microsoft.com/office/drawing/2014/main" id="{7A454891-98FC-074B-9CBD-B8A89563B333}"/>
+                <a16:creationId xmlns:a16="http://schemas.microsoft.com/office/drawing/2014/main" xmlns="" id="{7A454891-98FC-074B-9CBD-B8A89563B333}"/>
               </a:ext>
             </a:extLst>
           </p:cNvPr>
@@ -2650,7 +2655,7 @@
           <p:cNvPr id="5" name="日期占位符 4">
             <a:extLst>
               <a:ext uri="{FF2B5EF4-FFF2-40B4-BE49-F238E27FC236}">
-                <a16:creationId xmlns:a16="http://schemas.microsoft.com/office/drawing/2014/main" id="{82792D8B-5E57-6E40-A8B3-66A46EC7D4B2}"/>
+                <a16:creationId xmlns:a16="http://schemas.microsoft.com/office/drawing/2014/main" xmlns="" id="{82792D8B-5E57-6E40-A8B3-66A46EC7D4B2}"/>
               </a:ext>
             </a:extLst>
           </p:cNvPr>
@@ -2668,7 +2673,7 @@
           <a:p>
             <a:fld id="{19592C33-A7A7-224F-8CC3-E972E1E3BCCC}" type="datetimeFigureOut">
               <a:rPr kumimoji="1" lang="zh-CN" altLang="en-US" smtClean="0"/>
-              <a:t>2021/10/20</a:t>
+              <a:t>2021/10/21</a:t>
             </a:fld>
             <a:endParaRPr kumimoji="1" lang="zh-CN" altLang="en-US"/>
           </a:p>
@@ -2679,7 +2684,7 @@
           <p:cNvPr id="6" name="页脚占位符 5">
             <a:extLst>
               <a:ext uri="{FF2B5EF4-FFF2-40B4-BE49-F238E27FC236}">
-                <a16:creationId xmlns:a16="http://schemas.microsoft.com/office/drawing/2014/main" id="{AD4A14E1-CD34-F147-A9CF-4C0B711057B6}"/>
+                <a16:creationId xmlns:a16="http://schemas.microsoft.com/office/drawing/2014/main" xmlns="" id="{AD4A14E1-CD34-F147-A9CF-4C0B711057B6}"/>
               </a:ext>
             </a:extLst>
           </p:cNvPr>
@@ -2704,7 +2709,7 @@
           <p:cNvPr id="7" name="灯片编号占位符 6">
             <a:extLst>
               <a:ext uri="{FF2B5EF4-FFF2-40B4-BE49-F238E27FC236}">
-                <a16:creationId xmlns:a16="http://schemas.microsoft.com/office/drawing/2014/main" id="{188ECC5B-886D-CE45-BA38-8D44C2370802}"/>
+                <a16:creationId xmlns:a16="http://schemas.microsoft.com/office/drawing/2014/main" xmlns="" id="{188ECC5B-886D-CE45-BA38-8D44C2370802}"/>
               </a:ext>
             </a:extLst>
           </p:cNvPr>
@@ -2768,7 +2773,7 @@
           <p:cNvPr id="2" name="标题占位符 1">
             <a:extLst>
               <a:ext uri="{FF2B5EF4-FFF2-40B4-BE49-F238E27FC236}">
-                <a16:creationId xmlns:a16="http://schemas.microsoft.com/office/drawing/2014/main" id="{C9EEEA1B-1D55-754E-8507-F90BB790BEF4}"/>
+                <a16:creationId xmlns:a16="http://schemas.microsoft.com/office/drawing/2014/main" xmlns="" id="{C9EEEA1B-1D55-754E-8507-F90BB790BEF4}"/>
               </a:ext>
             </a:extLst>
           </p:cNvPr>
@@ -2806,7 +2811,7 @@
           <p:cNvPr id="3" name="文本占位符 2">
             <a:extLst>
               <a:ext uri="{FF2B5EF4-FFF2-40B4-BE49-F238E27FC236}">
-                <a16:creationId xmlns:a16="http://schemas.microsoft.com/office/drawing/2014/main" id="{0AD22E30-2FF9-3B4D-8336-B0C10756A925}"/>
+                <a16:creationId xmlns:a16="http://schemas.microsoft.com/office/drawing/2014/main" xmlns="" id="{0AD22E30-2FF9-3B4D-8336-B0C10756A925}"/>
               </a:ext>
             </a:extLst>
           </p:cNvPr>
@@ -2873,7 +2878,7 @@
           <p:cNvPr id="4" name="日期占位符 3">
             <a:extLst>
               <a:ext uri="{FF2B5EF4-FFF2-40B4-BE49-F238E27FC236}">
-                <a16:creationId xmlns:a16="http://schemas.microsoft.com/office/drawing/2014/main" id="{6A632EF7-2DFB-A449-B0D1-47FBE3C25B89}"/>
+                <a16:creationId xmlns:a16="http://schemas.microsoft.com/office/drawing/2014/main" xmlns="" id="{6A632EF7-2DFB-A449-B0D1-47FBE3C25B89}"/>
               </a:ext>
             </a:extLst>
           </p:cNvPr>
@@ -2909,7 +2914,7 @@
           <a:p>
             <a:fld id="{19592C33-A7A7-224F-8CC3-E972E1E3BCCC}" type="datetimeFigureOut">
               <a:rPr kumimoji="1" lang="zh-CN" altLang="en-US" smtClean="0"/>
-              <a:t>2021/10/20</a:t>
+              <a:t>2021/10/21</a:t>
             </a:fld>
             <a:endParaRPr kumimoji="1" lang="zh-CN" altLang="en-US"/>
           </a:p>
@@ -2920,7 +2925,7 @@
           <p:cNvPr id="5" name="页脚占位符 4">
             <a:extLst>
               <a:ext uri="{FF2B5EF4-FFF2-40B4-BE49-F238E27FC236}">
-                <a16:creationId xmlns:a16="http://schemas.microsoft.com/office/drawing/2014/main" id="{4EFA444D-7097-0C40-B05D-AE7E7815938A}"/>
+                <a16:creationId xmlns:a16="http://schemas.microsoft.com/office/drawing/2014/main" xmlns="" id="{4EFA444D-7097-0C40-B05D-AE7E7815938A}"/>
               </a:ext>
             </a:extLst>
           </p:cNvPr>
@@ -2963,7 +2968,7 @@
           <p:cNvPr id="6" name="灯片编号占位符 5">
             <a:extLst>
               <a:ext uri="{FF2B5EF4-FFF2-40B4-BE49-F238E27FC236}">
-                <a16:creationId xmlns:a16="http://schemas.microsoft.com/office/drawing/2014/main" id="{44D06B29-BEDD-3C4A-8BA4-96C86D0444DA}"/>
+                <a16:creationId xmlns:a16="http://schemas.microsoft.com/office/drawing/2014/main" xmlns="" id="{44D06B29-BEDD-3C4A-8BA4-96C86D0444DA}"/>
               </a:ext>
             </a:extLst>
           </p:cNvPr>
@@ -3331,7 +3336,7 @@
           <p:cNvPr id="4" name="TextBox 3">
             <a:extLst>
               <a:ext uri="{FF2B5EF4-FFF2-40B4-BE49-F238E27FC236}">
-                <a16:creationId xmlns:a16="http://schemas.microsoft.com/office/drawing/2014/main" id="{B4B37524-4155-4EFE-9C06-C7BE0B5C271B}"/>
+                <a16:creationId xmlns:a16="http://schemas.microsoft.com/office/drawing/2014/main" xmlns="" id="{B4B37524-4155-4EFE-9C06-C7BE0B5C271B}"/>
               </a:ext>
             </a:extLst>
           </p:cNvPr>
@@ -3341,7 +3346,7 @@
         <p:spPr>
           <a:xfrm>
             <a:off x="1287080" y="1263974"/>
-            <a:ext cx="9078034" cy="4924425"/>
+            <a:ext cx="9078034" cy="5847755"/>
           </a:xfrm>
           <a:prstGeom prst="rect">
             <a:avLst/>
@@ -3359,14 +3364,24 @@
           <a:p>
             <a:pPr algn="ctr"/>
             <a:r>
-              <a:rPr lang="en-US" altLang="zh-CN" sz="4000" b="1" dirty="0">
+              <a:rPr lang="en-US" altLang="zh-CN" sz="4000" b="1" dirty="0" smtClean="0">
                 <a:latin typeface="Bell MT" panose="02020503060305020303" pitchFamily="18" charset="0"/>
                 <a:ea typeface="STSong" panose="02010600040101010101" pitchFamily="2" charset="-122"/>
               </a:rPr>
-              <a:t>Empirical</a:t>
-            </a:r>
-            <a:r>
-              <a:rPr lang="zh-CN" altLang="en-US" sz="4000" b="1" dirty="0">
+              <a:t>Introduction to</a:t>
+            </a:r>
+          </a:p>
+          <a:p>
+            <a:pPr algn="ctr"/>
+            <a:r>
+              <a:rPr lang="en-US" altLang="zh-CN" sz="4000" b="1" dirty="0" smtClean="0">
+                <a:latin typeface="Bell MT" panose="02020503060305020303" pitchFamily="18" charset="0"/>
+                <a:ea typeface="STSong" panose="02010600040101010101" pitchFamily="2" charset="-122"/>
+              </a:rPr>
+              <a:t>“Empirical</a:t>
+            </a:r>
+            <a:r>
+              <a:rPr lang="zh-CN" altLang="en-US" sz="4000" b="1" dirty="0" smtClean="0">
                 <a:latin typeface="Bell MT" panose="02020503060305020303" pitchFamily="18" charset="0"/>
                 <a:ea typeface="STSong" panose="02010600040101010101" pitchFamily="2" charset="-122"/>
               </a:rPr>
@@ -3436,11 +3451,11 @@
               <a:t> </a:t>
             </a:r>
             <a:r>
-              <a:rPr lang="en-US" altLang="zh-CN" sz="4000" b="1" dirty="0">
+              <a:rPr lang="en-US" altLang="zh-CN" sz="4000" b="1" dirty="0" smtClean="0">
                 <a:latin typeface="Bell MT" panose="02020503060305020303" pitchFamily="18" charset="0"/>
                 <a:ea typeface="STSong" panose="02010600040101010101" pitchFamily="2" charset="-122"/>
               </a:rPr>
-              <a:t>Learning</a:t>
+              <a:t>Learning”</a:t>
             </a:r>
             <a:endParaRPr lang="en-US" sz="4000" b="1" dirty="0">
               <a:latin typeface="Bell MT" panose="02020503060305020303" pitchFamily="18" charset="0"/>
@@ -3449,8 +3464,23 @@
           </a:p>
           <a:p>
             <a:pPr algn="ctr"/>
-            <a:endParaRPr lang="en-US" sz="4000" b="1" dirty="0">
-              <a:latin typeface="TimesNewRomanPS"/>
+            <a:endParaRPr lang="en-US" sz="2000" dirty="0" smtClean="0">
+              <a:latin typeface="TimesNewRomanPSMT"/>
+            </a:endParaRPr>
+          </a:p>
+          <a:p>
+            <a:pPr algn="ctr"/>
+            <a:r>
+              <a:rPr lang="en-US" sz="2000" dirty="0" smtClean="0">
+                <a:latin typeface="TimesNewRomanPSMT"/>
+              </a:rPr>
+              <a:t>By</a:t>
+            </a:r>
+          </a:p>
+          <a:p>
+            <a:pPr algn="ctr"/>
+            <a:endParaRPr lang="en-US" sz="2000" dirty="0">
+              <a:latin typeface="TimesNewRomanPSMT"/>
             </a:endParaRPr>
           </a:p>
           <a:p>
@@ -3599,7 +3629,7 @@
           <p:cNvPr id="4" name="标题 3">
             <a:extLst>
               <a:ext uri="{FF2B5EF4-FFF2-40B4-BE49-F238E27FC236}">
-                <a16:creationId xmlns:a16="http://schemas.microsoft.com/office/drawing/2014/main" id="{3C6F6CD6-52AA-5744-A29B-3D176D8B5A97}"/>
+                <a16:creationId xmlns:a16="http://schemas.microsoft.com/office/drawing/2014/main" xmlns="" id="{3C6F6CD6-52AA-5744-A29B-3D176D8B5A97}"/>
               </a:ext>
             </a:extLst>
           </p:cNvPr>
@@ -3754,7 +3784,7 @@
           <p:cNvPr id="5" name="文本框 4">
             <a:extLst>
               <a:ext uri="{FF2B5EF4-FFF2-40B4-BE49-F238E27FC236}">
-                <a16:creationId xmlns:a16="http://schemas.microsoft.com/office/drawing/2014/main" id="{C2112578-A122-B64E-94FD-BE21D15DCDF3}"/>
+                <a16:creationId xmlns:a16="http://schemas.microsoft.com/office/drawing/2014/main" xmlns="" id="{C2112578-A122-B64E-94FD-BE21D15DCDF3}"/>
               </a:ext>
             </a:extLst>
           </p:cNvPr>
@@ -4717,7 +4747,7 @@
           <p:cNvPr id="4" name="标题 3">
             <a:extLst>
               <a:ext uri="{FF2B5EF4-FFF2-40B4-BE49-F238E27FC236}">
-                <a16:creationId xmlns:a16="http://schemas.microsoft.com/office/drawing/2014/main" id="{3C6F6CD6-52AA-5744-A29B-3D176D8B5A97}"/>
+                <a16:creationId xmlns:a16="http://schemas.microsoft.com/office/drawing/2014/main" xmlns="" id="{3C6F6CD6-52AA-5744-A29B-3D176D8B5A97}"/>
               </a:ext>
             </a:extLst>
           </p:cNvPr>
@@ -4828,7 +4858,7 @@
           <p:cNvPr id="3" name="文本框 2">
             <a:extLst>
               <a:ext uri="{FF2B5EF4-FFF2-40B4-BE49-F238E27FC236}">
-                <a16:creationId xmlns:a16="http://schemas.microsoft.com/office/drawing/2014/main" id="{330CA33C-2FB6-8C44-AD50-071443AE5645}"/>
+                <a16:creationId xmlns:a16="http://schemas.microsoft.com/office/drawing/2014/main" xmlns="" id="{330CA33C-2FB6-8C44-AD50-071443AE5645}"/>
               </a:ext>
             </a:extLst>
           </p:cNvPr>
@@ -5301,7 +5331,7 @@
           <p:cNvPr id="6" name="图片 5" descr="背景图案&#10;&#10;描述已自动生成">
             <a:extLst>
               <a:ext uri="{FF2B5EF4-FFF2-40B4-BE49-F238E27FC236}">
-                <a16:creationId xmlns:a16="http://schemas.microsoft.com/office/drawing/2014/main" id="{9F953266-12C7-7E4A-A82B-CCE10BC5C37A}"/>
+                <a16:creationId xmlns:a16="http://schemas.microsoft.com/office/drawing/2014/main" xmlns="" id="{9F953266-12C7-7E4A-A82B-CCE10BC5C37A}"/>
               </a:ext>
             </a:extLst>
           </p:cNvPr>
@@ -5361,7 +5391,7 @@
           <p:cNvPr id="4" name="标题 3">
             <a:extLst>
               <a:ext uri="{FF2B5EF4-FFF2-40B4-BE49-F238E27FC236}">
-                <a16:creationId xmlns:a16="http://schemas.microsoft.com/office/drawing/2014/main" id="{3C6F6CD6-52AA-5744-A29B-3D176D8B5A97}"/>
+                <a16:creationId xmlns:a16="http://schemas.microsoft.com/office/drawing/2014/main" xmlns="" id="{3C6F6CD6-52AA-5744-A29B-3D176D8B5A97}"/>
               </a:ext>
             </a:extLst>
           </p:cNvPr>
@@ -5472,7 +5502,7 @@
           <p:cNvPr id="3" name="文本框 2">
             <a:extLst>
               <a:ext uri="{FF2B5EF4-FFF2-40B4-BE49-F238E27FC236}">
-                <a16:creationId xmlns:a16="http://schemas.microsoft.com/office/drawing/2014/main" id="{019C3CD9-3A7F-DC4A-95D2-8554D2D92F41}"/>
+                <a16:creationId xmlns:a16="http://schemas.microsoft.com/office/drawing/2014/main" xmlns="" id="{019C3CD9-3A7F-DC4A-95D2-8554D2D92F41}"/>
               </a:ext>
             </a:extLst>
           </p:cNvPr>
@@ -5648,7 +5678,7 @@
           <p:cNvPr id="5" name="图片 4" descr="图表, 条形图&#10;&#10;描述已自动生成">
             <a:extLst>
               <a:ext uri="{FF2B5EF4-FFF2-40B4-BE49-F238E27FC236}">
-                <a16:creationId xmlns:a16="http://schemas.microsoft.com/office/drawing/2014/main" id="{AE9CFA41-000A-D14A-88B8-DA9ADA48B6E5}"/>
+                <a16:creationId xmlns:a16="http://schemas.microsoft.com/office/drawing/2014/main" xmlns="" id="{AE9CFA41-000A-D14A-88B8-DA9ADA48B6E5}"/>
               </a:ext>
             </a:extLst>
           </p:cNvPr>
@@ -5708,7 +5738,7 @@
           <p:cNvPr id="4" name="标题 3">
             <a:extLst>
               <a:ext uri="{FF2B5EF4-FFF2-40B4-BE49-F238E27FC236}">
-                <a16:creationId xmlns:a16="http://schemas.microsoft.com/office/drawing/2014/main" id="{3C6F6CD6-52AA-5744-A29B-3D176D8B5A97}"/>
+                <a16:creationId xmlns:a16="http://schemas.microsoft.com/office/drawing/2014/main" xmlns="" id="{3C6F6CD6-52AA-5744-A29B-3D176D8B5A97}"/>
               </a:ext>
             </a:extLst>
           </p:cNvPr>
@@ -5775,7 +5805,7 @@
           <p:cNvPr id="5" name="图片 4" descr="图表&#10;&#10;描述已自动生成">
             <a:extLst>
               <a:ext uri="{FF2B5EF4-FFF2-40B4-BE49-F238E27FC236}">
-                <a16:creationId xmlns:a16="http://schemas.microsoft.com/office/drawing/2014/main" id="{047D9B4E-4779-8344-943D-DA28874A6D93}"/>
+                <a16:creationId xmlns:a16="http://schemas.microsoft.com/office/drawing/2014/main" xmlns="" id="{047D9B4E-4779-8344-943D-DA28874A6D93}"/>
               </a:ext>
             </a:extLst>
           </p:cNvPr>
@@ -5835,7 +5865,7 @@
           <p:cNvPr id="4" name="标题 3">
             <a:extLst>
               <a:ext uri="{FF2B5EF4-FFF2-40B4-BE49-F238E27FC236}">
-                <a16:creationId xmlns:a16="http://schemas.microsoft.com/office/drawing/2014/main" id="{3C6F6CD6-52AA-5744-A29B-3D176D8B5A97}"/>
+                <a16:creationId xmlns:a16="http://schemas.microsoft.com/office/drawing/2014/main" xmlns="" id="{3C6F6CD6-52AA-5744-A29B-3D176D8B5A97}"/>
               </a:ext>
             </a:extLst>
           </p:cNvPr>
@@ -5924,7 +5954,7 @@
           <p:cNvPr id="3" name="文本框 2">
             <a:extLst>
               <a:ext uri="{FF2B5EF4-FFF2-40B4-BE49-F238E27FC236}">
-                <a16:creationId xmlns:a16="http://schemas.microsoft.com/office/drawing/2014/main" id="{330CA33C-2FB6-8C44-AD50-071443AE5645}"/>
+                <a16:creationId xmlns:a16="http://schemas.microsoft.com/office/drawing/2014/main" xmlns="" id="{330CA33C-2FB6-8C44-AD50-071443AE5645}"/>
               </a:ext>
             </a:extLst>
           </p:cNvPr>
